--- a/Diapositivas/Parte 02.Regresión/Sección 02.3.Polynomial Regression/Polynomial_Regression.pptx
+++ b/Diapositivas/Parte 02.Regresión/Sección 02.3.Polynomial Regression/Polynomial_Regression.pptx
@@ -5308,7 +5308,7 @@
           <a:p>
             <a:fld id="{6C73E373-4A5A-9F47-B78B-3F6D862D2DA4}" type="datetimeFigureOut">
               <a:rPr lang="es-CO" smtClean="0"/>
-              <a:t>22/06/2023</a:t>
+              <a:t>23/06/2023</a:t>
             </a:fld>
             <a:endParaRPr lang="es-CO"/>
           </a:p>
@@ -5598,7 +5598,7 @@
           <p:cNvPr id="7" name="Imagen 6">
             <a:extLst>
               <a:ext uri="{FF2B5EF4-FFF2-40B4-BE49-F238E27FC236}">
-                <a16:creationId xmlns="" xmlns:a16="http://schemas.microsoft.com/office/drawing/2014/main" id="{36B54177-B7DF-1DD9-8875-D4168F53E154}"/>
+                <a16:creationId xmlns:a16="http://schemas.microsoft.com/office/drawing/2014/main" xmlns="" id="{36B54177-B7DF-1DD9-8875-D4168F53E154}"/>
               </a:ext>
             </a:extLst>
           </p:cNvPr>
@@ -5628,7 +5628,7 @@
           <p:cNvPr id="2" name="Título 1">
             <a:extLst>
               <a:ext uri="{FF2B5EF4-FFF2-40B4-BE49-F238E27FC236}">
-                <a16:creationId xmlns="" xmlns:a16="http://schemas.microsoft.com/office/drawing/2014/main" id="{3029E411-989D-8CFA-0371-904E9B56BB90}"/>
+                <a16:creationId xmlns:a16="http://schemas.microsoft.com/office/drawing/2014/main" xmlns="" id="{3029E411-989D-8CFA-0371-904E9B56BB90}"/>
               </a:ext>
             </a:extLst>
           </p:cNvPr>
@@ -5669,7 +5669,7 @@
           <p:cNvPr id="3" name="Subtítulo 2">
             <a:extLst>
               <a:ext uri="{FF2B5EF4-FFF2-40B4-BE49-F238E27FC236}">
-                <a16:creationId xmlns="" xmlns:a16="http://schemas.microsoft.com/office/drawing/2014/main" id="{68801E2D-CF21-2ADE-8396-CC12B5A246AC}"/>
+                <a16:creationId xmlns:a16="http://schemas.microsoft.com/office/drawing/2014/main" xmlns="" id="{68801E2D-CF21-2ADE-8396-CC12B5A246AC}"/>
               </a:ext>
             </a:extLst>
           </p:cNvPr>
@@ -5743,7 +5743,7 @@
           <p:cNvPr id="4" name="Marcador de fecha 3">
             <a:extLst>
               <a:ext uri="{FF2B5EF4-FFF2-40B4-BE49-F238E27FC236}">
-                <a16:creationId xmlns="" xmlns:a16="http://schemas.microsoft.com/office/drawing/2014/main" id="{C7D9C27E-71A0-A8E6-7D94-D52F81CE5F69}"/>
+                <a16:creationId xmlns:a16="http://schemas.microsoft.com/office/drawing/2014/main" xmlns="" id="{C7D9C27E-71A0-A8E6-7D94-D52F81CE5F69}"/>
               </a:ext>
             </a:extLst>
           </p:cNvPr>
@@ -5770,7 +5770,7 @@
             <a:fld id="{4ED1245C-EDA9-0F49-9277-480AED948C75}" type="datetimeFigureOut">
               <a:rPr lang="es-MX" smtClean="0"/>
               <a:pPr/>
-              <a:t>22/06/2023</a:t>
+              <a:t>23/06/2023</a:t>
             </a:fld>
             <a:endParaRPr lang="es-MX"/>
           </a:p>
@@ -5781,7 +5781,7 @@
           <p:cNvPr id="5" name="Marcador de pie de página 4">
             <a:extLst>
               <a:ext uri="{FF2B5EF4-FFF2-40B4-BE49-F238E27FC236}">
-                <a16:creationId xmlns="" xmlns:a16="http://schemas.microsoft.com/office/drawing/2014/main" id="{4C83CED7-3270-999D-99EC-4B2B5F4289C9}"/>
+                <a16:creationId xmlns:a16="http://schemas.microsoft.com/office/drawing/2014/main" xmlns="" id="{4C83CED7-3270-999D-99EC-4B2B5F4289C9}"/>
               </a:ext>
             </a:extLst>
           </p:cNvPr>
@@ -5814,7 +5814,7 @@
           <p:cNvPr id="6" name="Marcador de número de diapositiva 5">
             <a:extLst>
               <a:ext uri="{FF2B5EF4-FFF2-40B4-BE49-F238E27FC236}">
-                <a16:creationId xmlns="" xmlns:a16="http://schemas.microsoft.com/office/drawing/2014/main" id="{0DC7CE21-D4CA-6449-E0EA-746968CC779A}"/>
+                <a16:creationId xmlns:a16="http://schemas.microsoft.com/office/drawing/2014/main" xmlns="" id="{0DC7CE21-D4CA-6449-E0EA-746968CC779A}"/>
               </a:ext>
             </a:extLst>
           </p:cNvPr>
@@ -5882,7 +5882,7 @@
           <p:cNvPr id="2" name="Título 1">
             <a:extLst>
               <a:ext uri="{FF2B5EF4-FFF2-40B4-BE49-F238E27FC236}">
-                <a16:creationId xmlns="" xmlns:a16="http://schemas.microsoft.com/office/drawing/2014/main" id="{C4018A1D-A95A-249C-60D7-BFEC9560650F}"/>
+                <a16:creationId xmlns:a16="http://schemas.microsoft.com/office/drawing/2014/main" xmlns="" id="{C4018A1D-A95A-249C-60D7-BFEC9560650F}"/>
               </a:ext>
             </a:extLst>
           </p:cNvPr>
@@ -5919,7 +5919,7 @@
           <p:cNvPr id="3" name="Marcador de texto 2">
             <a:extLst>
               <a:ext uri="{FF2B5EF4-FFF2-40B4-BE49-F238E27FC236}">
-                <a16:creationId xmlns="" xmlns:a16="http://schemas.microsoft.com/office/drawing/2014/main" id="{7DA112BB-1B55-D3DA-D7D7-35DE1AC52464}"/>
+                <a16:creationId xmlns:a16="http://schemas.microsoft.com/office/drawing/2014/main" xmlns="" id="{7DA112BB-1B55-D3DA-D7D7-35DE1AC52464}"/>
               </a:ext>
             </a:extLst>
           </p:cNvPr>
@@ -6044,7 +6044,7 @@
           <p:cNvPr id="4" name="Marcador de fecha 3">
             <a:extLst>
               <a:ext uri="{FF2B5EF4-FFF2-40B4-BE49-F238E27FC236}">
-                <a16:creationId xmlns="" xmlns:a16="http://schemas.microsoft.com/office/drawing/2014/main" id="{E844E3D2-E945-19C6-68D7-AA7AC54FF7A6}"/>
+                <a16:creationId xmlns:a16="http://schemas.microsoft.com/office/drawing/2014/main" xmlns="" id="{E844E3D2-E945-19C6-68D7-AA7AC54FF7A6}"/>
               </a:ext>
             </a:extLst>
           </p:cNvPr>
@@ -6062,7 +6062,7 @@
           <a:p>
             <a:fld id="{4ED1245C-EDA9-0F49-9277-480AED948C75}" type="datetimeFigureOut">
               <a:rPr lang="es-MX" smtClean="0"/>
-              <a:t>22/06/2023</a:t>
+              <a:t>23/06/2023</a:t>
             </a:fld>
             <a:endParaRPr lang="es-MX"/>
           </a:p>
@@ -6073,7 +6073,7 @@
           <p:cNvPr id="5" name="Marcador de pie de página 4">
             <a:extLst>
               <a:ext uri="{FF2B5EF4-FFF2-40B4-BE49-F238E27FC236}">
-                <a16:creationId xmlns="" xmlns:a16="http://schemas.microsoft.com/office/drawing/2014/main" id="{56FC48AC-4463-729E-ABA1-FB3D3EFA26E7}"/>
+                <a16:creationId xmlns:a16="http://schemas.microsoft.com/office/drawing/2014/main" xmlns="" id="{56FC48AC-4463-729E-ABA1-FB3D3EFA26E7}"/>
               </a:ext>
             </a:extLst>
           </p:cNvPr>
@@ -6098,7 +6098,7 @@
           <p:cNvPr id="6" name="Marcador de número de diapositiva 5">
             <a:extLst>
               <a:ext uri="{FF2B5EF4-FFF2-40B4-BE49-F238E27FC236}">
-                <a16:creationId xmlns="" xmlns:a16="http://schemas.microsoft.com/office/drawing/2014/main" id="{7FB46B77-03B3-EF69-5002-A7FF12752807}"/>
+                <a16:creationId xmlns:a16="http://schemas.microsoft.com/office/drawing/2014/main" xmlns="" id="{7FB46B77-03B3-EF69-5002-A7FF12752807}"/>
               </a:ext>
             </a:extLst>
           </p:cNvPr>
@@ -6157,7 +6157,7 @@
           <p:cNvPr id="8" name="Imagen 7">
             <a:extLst>
               <a:ext uri="{FF2B5EF4-FFF2-40B4-BE49-F238E27FC236}">
-                <a16:creationId xmlns="" xmlns:a16="http://schemas.microsoft.com/office/drawing/2014/main" id="{FDAF5A4A-1B68-98B0-A191-8BD2A6F09150}"/>
+                <a16:creationId xmlns:a16="http://schemas.microsoft.com/office/drawing/2014/main" xmlns="" id="{FDAF5A4A-1B68-98B0-A191-8BD2A6F09150}"/>
               </a:ext>
             </a:extLst>
           </p:cNvPr>
@@ -6198,7 +6198,7 @@
           <a:p>
             <a:fld id="{8B636DD7-9EC0-2343-87F4-811CC24B63A7}" type="datetimeFigureOut">
               <a:rPr lang="es-MX" smtClean="0"/>
-              <a:t>22/06/2023</a:t>
+              <a:t>23/06/2023</a:t>
             </a:fld>
             <a:endParaRPr lang="es-MX"/>
           </a:p>
@@ -6257,7 +6257,7 @@
     <a:masterClrMapping/>
   </p:clrMapOvr>
   <mc:AlternateContent xmlns:mc="http://schemas.openxmlformats.org/markup-compatibility/2006">
-    <mc:Choice xmlns="" xmlns:p159="http://schemas.microsoft.com/office/powerpoint/2015/09/main" Requires="p159">
+    <mc:Choice xmlns:p159="http://schemas.microsoft.com/office/powerpoint/2015/09/main" xmlns="" Requires="p159">
       <p:transition xmlns:p14="http://schemas.microsoft.com/office/powerpoint/2010/main" spd="slow" p14:dur="2000">
         <p159:morph option="byObject"/>
       </p:transition>
@@ -6293,7 +6293,7 @@
           <p:cNvPr id="7" name="Imagen 6">
             <a:extLst>
               <a:ext uri="{FF2B5EF4-FFF2-40B4-BE49-F238E27FC236}">
-                <a16:creationId xmlns="" xmlns:a16="http://schemas.microsoft.com/office/drawing/2014/main" id="{66AD6CAE-8F01-422E-B0BA-3045B167AEAF}"/>
+                <a16:creationId xmlns:a16="http://schemas.microsoft.com/office/drawing/2014/main" xmlns="" id="{66AD6CAE-8F01-422E-B0BA-3045B167AEAF}"/>
               </a:ext>
             </a:extLst>
           </p:cNvPr>
@@ -6428,7 +6428,7 @@
           <a:p>
             <a:fld id="{8B636DD7-9EC0-2343-87F4-811CC24B63A7}" type="datetimeFigureOut">
               <a:rPr lang="es-MX" smtClean="0"/>
-              <a:t>22/06/2023</a:t>
+              <a:t>23/06/2023</a:t>
             </a:fld>
             <a:endParaRPr lang="es-MX"/>
           </a:p>
@@ -6481,7 +6481,7 @@
           <p:cNvPr id="10" name="Imagen 9">
             <a:extLst>
               <a:ext uri="{FF2B5EF4-FFF2-40B4-BE49-F238E27FC236}">
-                <a16:creationId xmlns="" xmlns:a16="http://schemas.microsoft.com/office/drawing/2014/main" id="{11028E90-7017-3801-0152-2A4D9D428AAF}"/>
+                <a16:creationId xmlns:a16="http://schemas.microsoft.com/office/drawing/2014/main" xmlns="" id="{11028E90-7017-3801-0152-2A4D9D428AAF}"/>
               </a:ext>
             </a:extLst>
           </p:cNvPr>
@@ -6516,7 +6516,7 @@
     <a:masterClrMapping/>
   </p:clrMapOvr>
   <mc:AlternateContent xmlns:mc="http://schemas.openxmlformats.org/markup-compatibility/2006">
-    <mc:Choice xmlns="" xmlns:p159="http://schemas.microsoft.com/office/powerpoint/2015/09/main" Requires="p159">
+    <mc:Choice xmlns:p159="http://schemas.microsoft.com/office/powerpoint/2015/09/main" xmlns="" Requires="p159">
       <p:transition xmlns:p14="http://schemas.microsoft.com/office/powerpoint/2010/main" spd="slow" p14:dur="2000">
         <p159:morph option="byObject"/>
       </p:transition>
@@ -6564,7 +6564,7 @@
           <a:p>
             <a:fld id="{8B636DD7-9EC0-2343-87F4-811CC24B63A7}" type="datetimeFigureOut">
               <a:rPr lang="es-MX" smtClean="0"/>
-              <a:t>22/06/2023</a:t>
+              <a:t>23/06/2023</a:t>
             </a:fld>
             <a:endParaRPr lang="es-MX"/>
           </a:p>
@@ -6617,7 +6617,7 @@
           <p:cNvPr id="10" name="Imagen 9">
             <a:extLst>
               <a:ext uri="{FF2B5EF4-FFF2-40B4-BE49-F238E27FC236}">
-                <a16:creationId xmlns="" xmlns:a16="http://schemas.microsoft.com/office/drawing/2014/main" id="{B4AC21E6-3AB4-AA3E-EED5-BEA73B4160C8}"/>
+                <a16:creationId xmlns:a16="http://schemas.microsoft.com/office/drawing/2014/main" xmlns="" id="{B4AC21E6-3AB4-AA3E-EED5-BEA73B4160C8}"/>
               </a:ext>
             </a:extLst>
           </p:cNvPr>
@@ -6646,7 +6646,7 @@
           <p:cNvPr id="5" name="Título 1">
             <a:extLst>
               <a:ext uri="{FF2B5EF4-FFF2-40B4-BE49-F238E27FC236}">
-                <a16:creationId xmlns="" xmlns:a16="http://schemas.microsoft.com/office/drawing/2014/main" id="{74D66EB4-E928-04A5-17AC-B4C4FAF01B68}"/>
+                <a16:creationId xmlns:a16="http://schemas.microsoft.com/office/drawing/2014/main" xmlns="" id="{74D66EB4-E928-04A5-17AC-B4C4FAF01B68}"/>
               </a:ext>
             </a:extLst>
           </p:cNvPr>
@@ -6689,7 +6689,7 @@
     <a:masterClrMapping/>
   </p:clrMapOvr>
   <mc:AlternateContent xmlns:mc="http://schemas.openxmlformats.org/markup-compatibility/2006">
-    <mc:Choice xmlns="" xmlns:p159="http://schemas.microsoft.com/office/powerpoint/2015/09/main" Requires="p159">
+    <mc:Choice xmlns:p159="http://schemas.microsoft.com/office/powerpoint/2015/09/main" xmlns="" Requires="p159">
       <p:transition xmlns:p14="http://schemas.microsoft.com/office/powerpoint/2010/main" spd="slow" p14:dur="2000">
         <p159:morph option="byObject"/>
       </p:transition>
@@ -6737,7 +6737,7 @@
           <a:p>
             <a:fld id="{8B636DD7-9EC0-2343-87F4-811CC24B63A7}" type="datetimeFigureOut">
               <a:rPr lang="es-MX" smtClean="0"/>
-              <a:t>22/06/2023</a:t>
+              <a:t>23/06/2023</a:t>
             </a:fld>
             <a:endParaRPr lang="es-MX"/>
           </a:p>
@@ -6790,7 +6790,7 @@
           <p:cNvPr id="5" name="Imagen 4">
             <a:extLst>
               <a:ext uri="{FF2B5EF4-FFF2-40B4-BE49-F238E27FC236}">
-                <a16:creationId xmlns="" xmlns:a16="http://schemas.microsoft.com/office/drawing/2014/main" id="{CFD1EF8D-21B9-3C6D-CAEB-887F2C4B10FA}"/>
+                <a16:creationId xmlns:a16="http://schemas.microsoft.com/office/drawing/2014/main" xmlns="" id="{CFD1EF8D-21B9-3C6D-CAEB-887F2C4B10FA}"/>
               </a:ext>
             </a:extLst>
           </p:cNvPr>
@@ -6819,7 +6819,7 @@
           <p:cNvPr id="6" name="Título 1">
             <a:extLst>
               <a:ext uri="{FF2B5EF4-FFF2-40B4-BE49-F238E27FC236}">
-                <a16:creationId xmlns="" xmlns:a16="http://schemas.microsoft.com/office/drawing/2014/main" id="{BDA5DC36-6B14-E774-2FD3-FD49BCF6F742}"/>
+                <a16:creationId xmlns:a16="http://schemas.microsoft.com/office/drawing/2014/main" xmlns="" id="{BDA5DC36-6B14-E774-2FD3-FD49BCF6F742}"/>
               </a:ext>
             </a:extLst>
           </p:cNvPr>
@@ -6866,7 +6866,7 @@
     <a:masterClrMapping/>
   </p:clrMapOvr>
   <mc:AlternateContent xmlns:mc="http://schemas.openxmlformats.org/markup-compatibility/2006">
-    <mc:Choice xmlns="" xmlns:p159="http://schemas.microsoft.com/office/powerpoint/2015/09/main" Requires="p159">
+    <mc:Choice xmlns:p159="http://schemas.microsoft.com/office/powerpoint/2015/09/main" xmlns="" Requires="p159">
       <p:transition xmlns:p14="http://schemas.microsoft.com/office/powerpoint/2010/main" spd="slow" p14:dur="2000">
         <p159:morph option="byObject"/>
       </p:transition>
@@ -6902,7 +6902,7 @@
           <p:cNvPr id="7" name="Imagen 6">
             <a:extLst>
               <a:ext uri="{FF2B5EF4-FFF2-40B4-BE49-F238E27FC236}">
-                <a16:creationId xmlns="" xmlns:a16="http://schemas.microsoft.com/office/drawing/2014/main" id="{7E36882C-E608-66B8-8A42-26DD6B67138C}"/>
+                <a16:creationId xmlns:a16="http://schemas.microsoft.com/office/drawing/2014/main" xmlns="" id="{7E36882C-E608-66B8-8A42-26DD6B67138C}"/>
               </a:ext>
             </a:extLst>
           </p:cNvPr>
@@ -6932,7 +6932,7 @@
           <p:cNvPr id="2" name="Título 1">
             <a:extLst>
               <a:ext uri="{FF2B5EF4-FFF2-40B4-BE49-F238E27FC236}">
-                <a16:creationId xmlns="" xmlns:a16="http://schemas.microsoft.com/office/drawing/2014/main" id="{A319E2F3-3E92-F0B7-289B-ECE5123D9814}"/>
+                <a16:creationId xmlns:a16="http://schemas.microsoft.com/office/drawing/2014/main" xmlns="" id="{A319E2F3-3E92-F0B7-289B-ECE5123D9814}"/>
               </a:ext>
             </a:extLst>
           </p:cNvPr>
@@ -6968,7 +6968,7 @@
           <p:cNvPr id="3" name="Marcador de contenido 2">
             <a:extLst>
               <a:ext uri="{FF2B5EF4-FFF2-40B4-BE49-F238E27FC236}">
-                <a16:creationId xmlns="" xmlns:a16="http://schemas.microsoft.com/office/drawing/2014/main" id="{917E9B9D-3312-7614-E939-8BBA89447845}"/>
+                <a16:creationId xmlns:a16="http://schemas.microsoft.com/office/drawing/2014/main" xmlns="" id="{917E9B9D-3312-7614-E939-8BBA89447845}"/>
               </a:ext>
             </a:extLst>
           </p:cNvPr>
@@ -7025,7 +7025,7 @@
           <p:cNvPr id="4" name="Marcador de fecha 3">
             <a:extLst>
               <a:ext uri="{FF2B5EF4-FFF2-40B4-BE49-F238E27FC236}">
-                <a16:creationId xmlns="" xmlns:a16="http://schemas.microsoft.com/office/drawing/2014/main" id="{9561BD46-81DF-C525-880C-B60F549977C9}"/>
+                <a16:creationId xmlns:a16="http://schemas.microsoft.com/office/drawing/2014/main" xmlns="" id="{9561BD46-81DF-C525-880C-B60F549977C9}"/>
               </a:ext>
             </a:extLst>
           </p:cNvPr>
@@ -7043,7 +7043,7 @@
           <a:p>
             <a:fld id="{4ED1245C-EDA9-0F49-9277-480AED948C75}" type="datetimeFigureOut">
               <a:rPr lang="es-MX" smtClean="0"/>
-              <a:t>22/06/2023</a:t>
+              <a:t>23/06/2023</a:t>
             </a:fld>
             <a:endParaRPr lang="es-MX"/>
           </a:p>
@@ -7054,7 +7054,7 @@
           <p:cNvPr id="5" name="Marcador de pie de página 4">
             <a:extLst>
               <a:ext uri="{FF2B5EF4-FFF2-40B4-BE49-F238E27FC236}">
-                <a16:creationId xmlns="" xmlns:a16="http://schemas.microsoft.com/office/drawing/2014/main" id="{B48141E5-38F4-5870-C465-013B716EE584}"/>
+                <a16:creationId xmlns:a16="http://schemas.microsoft.com/office/drawing/2014/main" xmlns="" id="{B48141E5-38F4-5870-C465-013B716EE584}"/>
               </a:ext>
             </a:extLst>
           </p:cNvPr>
@@ -7079,7 +7079,7 @@
           <p:cNvPr id="6" name="Marcador de número de diapositiva 5">
             <a:extLst>
               <a:ext uri="{FF2B5EF4-FFF2-40B4-BE49-F238E27FC236}">
-                <a16:creationId xmlns="" xmlns:a16="http://schemas.microsoft.com/office/drawing/2014/main" id="{6D3EFEE5-200A-753E-B6FD-9311CB9BAAFF}"/>
+                <a16:creationId xmlns:a16="http://schemas.microsoft.com/office/drawing/2014/main" xmlns="" id="{6D3EFEE5-200A-753E-B6FD-9311CB9BAAFF}"/>
               </a:ext>
             </a:extLst>
           </p:cNvPr>
@@ -7138,7 +7138,7 @@
           <p:cNvPr id="6" name="Imagen 5">
             <a:extLst>
               <a:ext uri="{FF2B5EF4-FFF2-40B4-BE49-F238E27FC236}">
-                <a16:creationId xmlns="" xmlns:a16="http://schemas.microsoft.com/office/drawing/2014/main" id="{85B76E4B-994E-FE80-0264-CD7AEB4265E3}"/>
+                <a16:creationId xmlns:a16="http://schemas.microsoft.com/office/drawing/2014/main" xmlns="" id="{85B76E4B-994E-FE80-0264-CD7AEB4265E3}"/>
               </a:ext>
             </a:extLst>
           </p:cNvPr>
@@ -7168,7 +7168,7 @@
           <p:cNvPr id="2" name="Título 1">
             <a:extLst>
               <a:ext uri="{FF2B5EF4-FFF2-40B4-BE49-F238E27FC236}">
-                <a16:creationId xmlns="" xmlns:a16="http://schemas.microsoft.com/office/drawing/2014/main" id="{F58AE75E-BF38-0C63-F39F-95D19FDCC331}"/>
+                <a16:creationId xmlns:a16="http://schemas.microsoft.com/office/drawing/2014/main" xmlns="" id="{F58AE75E-BF38-0C63-F39F-95D19FDCC331}"/>
               </a:ext>
             </a:extLst>
           </p:cNvPr>
@@ -7200,7 +7200,7 @@
           <p:cNvPr id="3" name="Marcador de fecha 2">
             <a:extLst>
               <a:ext uri="{FF2B5EF4-FFF2-40B4-BE49-F238E27FC236}">
-                <a16:creationId xmlns="" xmlns:a16="http://schemas.microsoft.com/office/drawing/2014/main" id="{C0849DC6-910E-1212-87E9-5D91EDF04321}"/>
+                <a16:creationId xmlns:a16="http://schemas.microsoft.com/office/drawing/2014/main" xmlns="" id="{C0849DC6-910E-1212-87E9-5D91EDF04321}"/>
               </a:ext>
             </a:extLst>
           </p:cNvPr>
@@ -7218,7 +7218,7 @@
           <a:p>
             <a:fld id="{4ED1245C-EDA9-0F49-9277-480AED948C75}" type="datetimeFigureOut">
               <a:rPr lang="es-MX" smtClean="0"/>
-              <a:t>22/06/2023</a:t>
+              <a:t>23/06/2023</a:t>
             </a:fld>
             <a:endParaRPr lang="es-MX"/>
           </a:p>
@@ -7229,7 +7229,7 @@
           <p:cNvPr id="4" name="Marcador de pie de página 3">
             <a:extLst>
               <a:ext uri="{FF2B5EF4-FFF2-40B4-BE49-F238E27FC236}">
-                <a16:creationId xmlns="" xmlns:a16="http://schemas.microsoft.com/office/drawing/2014/main" id="{6AC465A2-B629-9EFC-663F-3F807AD61A95}"/>
+                <a16:creationId xmlns:a16="http://schemas.microsoft.com/office/drawing/2014/main" xmlns="" id="{6AC465A2-B629-9EFC-663F-3F807AD61A95}"/>
               </a:ext>
             </a:extLst>
           </p:cNvPr>
@@ -7254,7 +7254,7 @@
           <p:cNvPr id="5" name="Marcador de número de diapositiva 4">
             <a:extLst>
               <a:ext uri="{FF2B5EF4-FFF2-40B4-BE49-F238E27FC236}">
-                <a16:creationId xmlns="" xmlns:a16="http://schemas.microsoft.com/office/drawing/2014/main" id="{7149893F-AB4A-EA91-D670-6E8677716A99}"/>
+                <a16:creationId xmlns:a16="http://schemas.microsoft.com/office/drawing/2014/main" xmlns="" id="{7149893F-AB4A-EA91-D670-6E8677716A99}"/>
               </a:ext>
             </a:extLst>
           </p:cNvPr>
@@ -7313,7 +7313,7 @@
           <p:cNvPr id="2" name="Marcador de fecha 1">
             <a:extLst>
               <a:ext uri="{FF2B5EF4-FFF2-40B4-BE49-F238E27FC236}">
-                <a16:creationId xmlns="" xmlns:a16="http://schemas.microsoft.com/office/drawing/2014/main" id="{3D8DCD30-7661-12EB-6BF3-7D6889A8D7E7}"/>
+                <a16:creationId xmlns:a16="http://schemas.microsoft.com/office/drawing/2014/main" xmlns="" id="{3D8DCD30-7661-12EB-6BF3-7D6889A8D7E7}"/>
               </a:ext>
             </a:extLst>
           </p:cNvPr>
@@ -7331,7 +7331,7 @@
           <a:p>
             <a:fld id="{4ED1245C-EDA9-0F49-9277-480AED948C75}" type="datetimeFigureOut">
               <a:rPr lang="es-MX" smtClean="0"/>
-              <a:t>22/06/2023</a:t>
+              <a:t>23/06/2023</a:t>
             </a:fld>
             <a:endParaRPr lang="es-MX"/>
           </a:p>
@@ -7342,7 +7342,7 @@
           <p:cNvPr id="3" name="Marcador de pie de página 2">
             <a:extLst>
               <a:ext uri="{FF2B5EF4-FFF2-40B4-BE49-F238E27FC236}">
-                <a16:creationId xmlns="" xmlns:a16="http://schemas.microsoft.com/office/drawing/2014/main" id="{BCE383F0-BCD5-365A-30DE-4A37BDDD44D8}"/>
+                <a16:creationId xmlns:a16="http://schemas.microsoft.com/office/drawing/2014/main" xmlns="" id="{BCE383F0-BCD5-365A-30DE-4A37BDDD44D8}"/>
               </a:ext>
             </a:extLst>
           </p:cNvPr>
@@ -7367,7 +7367,7 @@
           <p:cNvPr id="4" name="Marcador de número de diapositiva 3">
             <a:extLst>
               <a:ext uri="{FF2B5EF4-FFF2-40B4-BE49-F238E27FC236}">
-                <a16:creationId xmlns="" xmlns:a16="http://schemas.microsoft.com/office/drawing/2014/main" id="{3062DF9B-A73E-907D-5239-FDDD3489CEF2}"/>
+                <a16:creationId xmlns:a16="http://schemas.microsoft.com/office/drawing/2014/main" xmlns="" id="{3062DF9B-A73E-907D-5239-FDDD3489CEF2}"/>
               </a:ext>
             </a:extLst>
           </p:cNvPr>
@@ -7431,7 +7431,7 @@
           <p:cNvPr id="2" name="Marcador de título 1">
             <a:extLst>
               <a:ext uri="{FF2B5EF4-FFF2-40B4-BE49-F238E27FC236}">
-                <a16:creationId xmlns="" xmlns:a16="http://schemas.microsoft.com/office/drawing/2014/main" id="{33F02CBE-7D56-9524-5799-3D4C40AEE1EF}"/>
+                <a16:creationId xmlns:a16="http://schemas.microsoft.com/office/drawing/2014/main" xmlns="" id="{33F02CBE-7D56-9524-5799-3D4C40AEE1EF}"/>
               </a:ext>
             </a:extLst>
           </p:cNvPr>
@@ -7469,7 +7469,7 @@
           <p:cNvPr id="3" name="Marcador de texto 2">
             <a:extLst>
               <a:ext uri="{FF2B5EF4-FFF2-40B4-BE49-F238E27FC236}">
-                <a16:creationId xmlns="" xmlns:a16="http://schemas.microsoft.com/office/drawing/2014/main" id="{A9053B17-0988-26D7-1416-D61D74DBE858}"/>
+                <a16:creationId xmlns:a16="http://schemas.microsoft.com/office/drawing/2014/main" xmlns="" id="{A9053B17-0988-26D7-1416-D61D74DBE858}"/>
               </a:ext>
             </a:extLst>
           </p:cNvPr>
@@ -7536,7 +7536,7 @@
           <p:cNvPr id="4" name="Marcador de fecha 3">
             <a:extLst>
               <a:ext uri="{FF2B5EF4-FFF2-40B4-BE49-F238E27FC236}">
-                <a16:creationId xmlns="" xmlns:a16="http://schemas.microsoft.com/office/drawing/2014/main" id="{3CFF87E4-E3EB-6979-BA49-637760E7BBC3}"/>
+                <a16:creationId xmlns:a16="http://schemas.microsoft.com/office/drawing/2014/main" xmlns="" id="{3CFF87E4-E3EB-6979-BA49-637760E7BBC3}"/>
               </a:ext>
             </a:extLst>
           </p:cNvPr>
@@ -7576,7 +7576,7 @@
             <a:fld id="{4ED1245C-EDA9-0F49-9277-480AED948C75}" type="datetimeFigureOut">
               <a:rPr lang="es-MX" smtClean="0"/>
               <a:pPr/>
-              <a:t>22/06/2023</a:t>
+              <a:t>23/06/2023</a:t>
             </a:fld>
             <a:endParaRPr lang="es-MX"/>
           </a:p>
@@ -7587,7 +7587,7 @@
           <p:cNvPr id="5" name="Marcador de pie de página 4">
             <a:extLst>
               <a:ext uri="{FF2B5EF4-FFF2-40B4-BE49-F238E27FC236}">
-                <a16:creationId xmlns="" xmlns:a16="http://schemas.microsoft.com/office/drawing/2014/main" id="{6143CCC9-3353-516C-3DED-6C05973EB5B8}"/>
+                <a16:creationId xmlns:a16="http://schemas.microsoft.com/office/drawing/2014/main" xmlns="" id="{6143CCC9-3353-516C-3DED-6C05973EB5B8}"/>
               </a:ext>
             </a:extLst>
           </p:cNvPr>
@@ -7633,7 +7633,7 @@
           <p:cNvPr id="6" name="Marcador de número de diapositiva 5">
             <a:extLst>
               <a:ext uri="{FF2B5EF4-FFF2-40B4-BE49-F238E27FC236}">
-                <a16:creationId xmlns="" xmlns:a16="http://schemas.microsoft.com/office/drawing/2014/main" id="{751E5BC1-66C6-23A3-45FC-6B13BC2B4A2D}"/>
+                <a16:creationId xmlns:a16="http://schemas.microsoft.com/office/drawing/2014/main" xmlns="" id="{751E5BC1-66C6-23A3-45FC-6B13BC2B4A2D}"/>
               </a:ext>
             </a:extLst>
           </p:cNvPr>
@@ -8003,7 +8003,7 @@
           <p:cNvPr id="3" name="Imagen 2">
             <a:extLst>
               <a:ext uri="{FF2B5EF4-FFF2-40B4-BE49-F238E27FC236}">
-                <a16:creationId xmlns="" xmlns:a16="http://schemas.microsoft.com/office/drawing/2014/main" id="{B7DCC1AE-CBB9-4F76-A8E3-CF73CD4FFFAE}"/>
+                <a16:creationId xmlns:a16="http://schemas.microsoft.com/office/drawing/2014/main" xmlns="" id="{B7DCC1AE-CBB9-4F76-A8E3-CF73CD4FFFAE}"/>
               </a:ext>
             </a:extLst>
           </p:cNvPr>
@@ -8032,7 +8032,7 @@
           <p:cNvPr id="15" name="Rectángulo 14">
             <a:extLst>
               <a:ext uri="{FF2B5EF4-FFF2-40B4-BE49-F238E27FC236}">
-                <a16:creationId xmlns="" xmlns:a16="http://schemas.microsoft.com/office/drawing/2014/main" id="{B0381972-7714-18E2-8087-DC6EBF8C2989}"/>
+                <a16:creationId xmlns:a16="http://schemas.microsoft.com/office/drawing/2014/main" xmlns="" id="{B0381972-7714-18E2-8087-DC6EBF8C2989}"/>
               </a:ext>
             </a:extLst>
           </p:cNvPr>
@@ -8151,7 +8151,7 @@
           <p:cNvPr id="2" name="Imagen 2" descr="Imagen que contiene Diagrama&#10;&#10;Descripción generada automáticamente">
             <a:extLst>
               <a:ext uri="{FF2B5EF4-FFF2-40B4-BE49-F238E27FC236}">
-                <a16:creationId xmlns:a16="http://schemas.microsoft.com/office/drawing/2014/main" xmlns="" id="{696459E0-D8D0-D6F6-8A7F-9D2CBDFB03E0}"/>
+                <a16:creationId xmlns="" xmlns:a16="http://schemas.microsoft.com/office/drawing/2014/main" id="{696459E0-D8D0-D6F6-8A7F-9D2CBDFB03E0}"/>
               </a:ext>
             </a:extLst>
           </p:cNvPr>
@@ -8181,7 +8181,7 @@
           <p:cNvPr id="4" name="Elipse 3">
             <a:extLst>
               <a:ext uri="{FF2B5EF4-FFF2-40B4-BE49-F238E27FC236}">
-                <a16:creationId xmlns:a16="http://schemas.microsoft.com/office/drawing/2014/main" xmlns="" id="{B84211B6-DA0E-E9B6-6FBD-CC9293F02FA5}"/>
+                <a16:creationId xmlns="" xmlns:a16="http://schemas.microsoft.com/office/drawing/2014/main" id="{B84211B6-DA0E-E9B6-6FBD-CC9293F02FA5}"/>
               </a:ext>
             </a:extLst>
           </p:cNvPr>
@@ -8336,7 +8336,7 @@
           <p:cNvPr id="6" name="Elipse 5">
             <a:extLst>
               <a:ext uri="{FF2B5EF4-FFF2-40B4-BE49-F238E27FC236}">
-                <a16:creationId xmlns:a16="http://schemas.microsoft.com/office/drawing/2014/main" xmlns="" id="{5738F0B5-FC72-3533-A7DC-331A31E26CDF}"/>
+                <a16:creationId xmlns="" xmlns:a16="http://schemas.microsoft.com/office/drawing/2014/main" id="{5738F0B5-FC72-3533-A7DC-331A31E26CDF}"/>
               </a:ext>
             </a:extLst>
           </p:cNvPr>
@@ -8490,7 +8490,7 @@
           <p:cNvPr id="7" name="Elipse 6">
             <a:extLst>
               <a:ext uri="{FF2B5EF4-FFF2-40B4-BE49-F238E27FC236}">
-                <a16:creationId xmlns:a16="http://schemas.microsoft.com/office/drawing/2014/main" xmlns="" id="{2DAA3DE2-FECF-9F33-C6D6-2D95F9053649}"/>
+                <a16:creationId xmlns="" xmlns:a16="http://schemas.microsoft.com/office/drawing/2014/main" id="{2DAA3DE2-FECF-9F33-C6D6-2D95F9053649}"/>
               </a:ext>
             </a:extLst>
           </p:cNvPr>
@@ -8645,7 +8645,7 @@
           <p:cNvPr id="8" name="Elipse 7">
             <a:extLst>
               <a:ext uri="{FF2B5EF4-FFF2-40B4-BE49-F238E27FC236}">
-                <a16:creationId xmlns:a16="http://schemas.microsoft.com/office/drawing/2014/main" xmlns="" id="{43004477-0A81-BACD-EA69-932752ECFFB0}"/>
+                <a16:creationId xmlns="" xmlns:a16="http://schemas.microsoft.com/office/drawing/2014/main" id="{43004477-0A81-BACD-EA69-932752ECFFB0}"/>
               </a:ext>
             </a:extLst>
           </p:cNvPr>
@@ -8799,7 +8799,7 @@
           <p:cNvPr id="3" name="Título 1">
             <a:extLst>
               <a:ext uri="{FF2B5EF4-FFF2-40B4-BE49-F238E27FC236}">
-                <a16:creationId xmlns:a16="http://schemas.microsoft.com/office/drawing/2014/main" xmlns="" id="{51A5CEAA-5F9B-743F-C392-E79011DB2461}"/>
+                <a16:creationId xmlns="" xmlns:a16="http://schemas.microsoft.com/office/drawing/2014/main" id="{51A5CEAA-5F9B-743F-C392-E79011DB2461}"/>
               </a:ext>
             </a:extLst>
           </p:cNvPr>
@@ -8890,7 +8890,7 @@
           <p:cNvPr id="9" name="Grupo 8">
             <a:extLst>
               <a:ext uri="{FF2B5EF4-FFF2-40B4-BE49-F238E27FC236}">
-                <a16:creationId xmlns:a16="http://schemas.microsoft.com/office/drawing/2014/main" xmlns="" id="{FFD9AA8D-A31A-503D-D40B-062449F91BFD}"/>
+                <a16:creationId xmlns="" xmlns:a16="http://schemas.microsoft.com/office/drawing/2014/main" id="{FFD9AA8D-A31A-503D-D40B-062449F91BFD}"/>
               </a:ext>
             </a:extLst>
           </p:cNvPr>
@@ -8910,7 +8910,7 @@
             <p:cNvPr id="10" name="Título 1">
               <a:extLst>
                 <a:ext uri="{FF2B5EF4-FFF2-40B4-BE49-F238E27FC236}">
-                  <a16:creationId xmlns:a16="http://schemas.microsoft.com/office/drawing/2014/main" xmlns="" id="{92F71D79-1F37-5ED6-F072-3682880878F5}"/>
+                  <a16:creationId xmlns="" xmlns:a16="http://schemas.microsoft.com/office/drawing/2014/main" id="{92F71D79-1F37-5ED6-F072-3682880878F5}"/>
                 </a:ext>
               </a:extLst>
             </p:cNvPr>
@@ -8988,7 +8988,7 @@
             <p:cNvPr id="11" name="Conector recto 10">
               <a:extLst>
                 <a:ext uri="{FF2B5EF4-FFF2-40B4-BE49-F238E27FC236}">
-                  <a16:creationId xmlns:a16="http://schemas.microsoft.com/office/drawing/2014/main" xmlns="" id="{A0024262-7345-9A5C-3A37-972185644E50}"/>
+                  <a16:creationId xmlns="" xmlns:a16="http://schemas.microsoft.com/office/drawing/2014/main" id="{A0024262-7345-9A5C-3A37-972185644E50}"/>
                 </a:ext>
               </a:extLst>
             </p:cNvPr>
@@ -9072,7 +9072,7 @@
           <p:cNvPr id="16" name="Título 1">
             <a:extLst>
               <a:ext uri="{FF2B5EF4-FFF2-40B4-BE49-F238E27FC236}">
-                <a16:creationId xmlns:a16="http://schemas.microsoft.com/office/drawing/2014/main" xmlns="" id="{D5FD1066-7FA1-9BF9-22F0-F52B6DDCD8D0}"/>
+                <a16:creationId xmlns="" xmlns:a16="http://schemas.microsoft.com/office/drawing/2014/main" id="{D5FD1066-7FA1-9BF9-22F0-F52B6DDCD8D0}"/>
               </a:ext>
             </a:extLst>
           </p:cNvPr>
@@ -9123,7 +9123,7 @@
           <p:cNvPr id="24" name="Rectángulo redondeado 30">
             <a:extLst>
               <a:ext uri="{FF2B5EF4-FFF2-40B4-BE49-F238E27FC236}">
-                <a16:creationId xmlns:a16="http://schemas.microsoft.com/office/drawing/2014/main" xmlns="" id="{80BB5CA9-6BAF-7E14-AA22-D2BAD29E8C87}"/>
+                <a16:creationId xmlns="" xmlns:a16="http://schemas.microsoft.com/office/drawing/2014/main" id="{80BB5CA9-6BAF-7E14-AA22-D2BAD29E8C87}"/>
               </a:ext>
             </a:extLst>
           </p:cNvPr>
@@ -9185,7 +9185,7 @@
           <p:cNvPr id="25" name="Subtítulo 2">
             <a:extLst>
               <a:ext uri="{FF2B5EF4-FFF2-40B4-BE49-F238E27FC236}">
-                <a16:creationId xmlns:a16="http://schemas.microsoft.com/office/drawing/2014/main" xmlns="" id="{2823FBAE-8D0D-34B3-24D4-48BB96A3622B}"/>
+                <a16:creationId xmlns="" xmlns:a16="http://schemas.microsoft.com/office/drawing/2014/main" id="{2823FBAE-8D0D-34B3-24D4-48BB96A3622B}"/>
               </a:ext>
             </a:extLst>
           </p:cNvPr>
@@ -9402,7 +9402,7 @@
           <p:cNvPr id="26" name="Rectángulo redondeado 30">
             <a:extLst>
               <a:ext uri="{FF2B5EF4-FFF2-40B4-BE49-F238E27FC236}">
-                <a16:creationId xmlns:a16="http://schemas.microsoft.com/office/drawing/2014/main" xmlns="" id="{80BB5CA9-6BAF-7E14-AA22-D2BAD29E8C87}"/>
+                <a16:creationId xmlns="" xmlns:a16="http://schemas.microsoft.com/office/drawing/2014/main" id="{80BB5CA9-6BAF-7E14-AA22-D2BAD29E8C87}"/>
               </a:ext>
             </a:extLst>
           </p:cNvPr>
@@ -9464,7 +9464,7 @@
           <p:cNvPr id="27" name="Subtítulo 2">
             <a:extLst>
               <a:ext uri="{FF2B5EF4-FFF2-40B4-BE49-F238E27FC236}">
-                <a16:creationId xmlns:a16="http://schemas.microsoft.com/office/drawing/2014/main" xmlns="" id="{2823FBAE-8D0D-34B3-24D4-48BB96A3622B}"/>
+                <a16:creationId xmlns="" xmlns:a16="http://schemas.microsoft.com/office/drawing/2014/main" id="{2823FBAE-8D0D-34B3-24D4-48BB96A3622B}"/>
               </a:ext>
             </a:extLst>
           </p:cNvPr>
@@ -9695,7 +9695,7 @@
           </a:ln>
           <a:extLst>
             <a:ext uri="{C572A759-6A51-4108-AA02-DFA0A04FC94B}">
-              <ma14:wrappingTextBoxFlag xmlns="" xmlns:m="http://schemas.openxmlformats.org/officeDocument/2006/math" xmlns:a14="http://schemas.microsoft.com/office/drawing/2010/main" xmlns:ma14="http://schemas.microsoft.com/office/mac/drawingml/2011/main" val="1"/>
+              <ma14:wrappingTextBoxFlag xmlns:ma14="http://schemas.microsoft.com/office/mac/drawingml/2011/main" xmlns:a14="http://schemas.microsoft.com/office/drawing/2010/main" xmlns:m="http://schemas.openxmlformats.org/officeDocument/2006/math" xmlns="" val="1"/>
             </a:ext>
           </a:extLst>
         </p:spPr>
@@ -9777,7 +9777,7 @@
           </a:ln>
           <a:extLst>
             <a:ext uri="{C572A759-6A51-4108-AA02-DFA0A04FC94B}">
-              <ma14:wrappingTextBoxFlag xmlns="" xmlns:m="http://schemas.openxmlformats.org/officeDocument/2006/math" xmlns:a14="http://schemas.microsoft.com/office/drawing/2010/main" xmlns:ma14="http://schemas.microsoft.com/office/mac/drawingml/2011/main" val="1"/>
+              <ma14:wrappingTextBoxFlag xmlns:ma14="http://schemas.microsoft.com/office/mac/drawingml/2011/main" xmlns:a14="http://schemas.microsoft.com/office/drawing/2010/main" xmlns:m="http://schemas.openxmlformats.org/officeDocument/2006/math" xmlns="" val="1"/>
             </a:ext>
           </a:extLst>
         </p:spPr>
@@ -9901,7 +9901,7 @@
           <p:cNvPr id="29" name="Rectángulo redondeado 30">
             <a:extLst>
               <a:ext uri="{FF2B5EF4-FFF2-40B4-BE49-F238E27FC236}">
-                <a16:creationId xmlns:a16="http://schemas.microsoft.com/office/drawing/2014/main" xmlns="" id="{80BB5CA9-6BAF-7E14-AA22-D2BAD29E8C87}"/>
+                <a16:creationId xmlns="" xmlns:a16="http://schemas.microsoft.com/office/drawing/2014/main" id="{80BB5CA9-6BAF-7E14-AA22-D2BAD29E8C87}"/>
               </a:ext>
             </a:extLst>
           </p:cNvPr>
@@ -9963,7 +9963,7 @@
           <p:cNvPr id="31" name="Subtítulo 2">
             <a:extLst>
               <a:ext uri="{FF2B5EF4-FFF2-40B4-BE49-F238E27FC236}">
-                <a16:creationId xmlns:a16="http://schemas.microsoft.com/office/drawing/2014/main" xmlns="" id="{2823FBAE-8D0D-34B3-24D4-48BB96A3622B}"/>
+                <a16:creationId xmlns="" xmlns:a16="http://schemas.microsoft.com/office/drawing/2014/main" id="{2823FBAE-8D0D-34B3-24D4-48BB96A3622B}"/>
               </a:ext>
             </a:extLst>
           </p:cNvPr>
@@ -10163,17 +10163,7 @@
                 <a:latin typeface="Verdana" panose="020B0604030504040204" pitchFamily="34" charset="0"/>
                 <a:ea typeface="Verdana" panose="020B0604030504040204" pitchFamily="34" charset="0"/>
               </a:rPr>
-              <a:t>Regresión Lineal </a:t>
-            </a:r>
-            <a:r>
-              <a:rPr lang="en-US" sz="1400" b="1" smtClean="0">
-                <a:solidFill>
-                  <a:schemeClr val="bg1"/>
-                </a:solidFill>
-                <a:latin typeface="Verdana" panose="020B0604030504040204" pitchFamily="34" charset="0"/>
-                <a:ea typeface="Verdana" panose="020B0604030504040204" pitchFamily="34" charset="0"/>
-              </a:rPr>
-              <a:t>Polinómica</a:t>
+              <a:t>Regresión Lineal Polinómica</a:t>
             </a:r>
             <a:endParaRPr lang="en-US" sz="1400" b="1">
               <a:solidFill>
@@ -10204,7 +10194,7 @@
           </a:ln>
           <a:extLst>
             <a:ext uri="{C572A759-6A51-4108-AA02-DFA0A04FC94B}">
-              <ma14:wrappingTextBoxFlag xmlns="" xmlns:m="http://schemas.openxmlformats.org/officeDocument/2006/math" xmlns:a14="http://schemas.microsoft.com/office/drawing/2010/main" xmlns:ma14="http://schemas.microsoft.com/office/mac/drawingml/2011/main" val="1"/>
+              <ma14:wrappingTextBoxFlag xmlns:ma14="http://schemas.microsoft.com/office/mac/drawingml/2011/main" xmlns:a14="http://schemas.microsoft.com/office/drawing/2010/main" xmlns:m="http://schemas.openxmlformats.org/officeDocument/2006/math" xmlns="" val="1"/>
             </a:ext>
           </a:extLst>
         </p:spPr>
@@ -10373,7 +10363,7 @@
     <a:masterClrMapping/>
   </p:clrMapOvr>
   <mc:AlternateContent xmlns:mc="http://schemas.openxmlformats.org/markup-compatibility/2006">
-    <mc:Choice xmlns:p159="http://schemas.microsoft.com/office/powerpoint/2015/09/main" xmlns="" Requires="p159">
+    <mc:Choice xmlns="" xmlns:p159="http://schemas.microsoft.com/office/powerpoint/2015/09/main" Requires="p159">
       <p:transition xmlns:p14="http://schemas.microsoft.com/office/powerpoint/2010/main" spd="slow" p14:dur="2000">
         <p159:morph option="byObject"/>
       </p:transition>
@@ -10576,7 +10566,7 @@
           <p:cNvPr id="2" name="Imagen 1">
             <a:extLst>
               <a:ext uri="{FF2B5EF4-FFF2-40B4-BE49-F238E27FC236}">
-                <a16:creationId xmlns:a16="http://schemas.microsoft.com/office/drawing/2014/main" xmlns="" id="{8495C0A0-4965-B406-97D2-0C73E97D488B}"/>
+                <a16:creationId xmlns="" xmlns:a16="http://schemas.microsoft.com/office/drawing/2014/main" id="{8495C0A0-4965-B406-97D2-0C73E97D488B}"/>
               </a:ext>
             </a:extLst>
           </p:cNvPr>
@@ -10593,7 +10583,7 @@
         </p:blipFill>
         <p:spPr>
           <a:xfrm>
-            <a:off x="0" y="-394558"/>
+            <a:off x="0" y="5499"/>
             <a:ext cx="12192000" cy="6858000"/>
           </a:xfrm>
           <a:prstGeom prst="rect">
@@ -10606,7 +10596,7 @@
           <p:cNvPr id="3" name="Marcador de número de diapositiva 3">
             <a:extLst>
               <a:ext uri="{FF2B5EF4-FFF2-40B4-BE49-F238E27FC236}">
-                <a16:creationId xmlns:a16="http://schemas.microsoft.com/office/drawing/2014/main" xmlns="" id="{958FBA5A-A58E-C697-8203-4F8B9AE81A4E}"/>
+                <a16:creationId xmlns="" xmlns:a16="http://schemas.microsoft.com/office/drawing/2014/main" id="{958FBA5A-A58E-C697-8203-4F8B9AE81A4E}"/>
               </a:ext>
             </a:extLst>
           </p:cNvPr>
@@ -10640,7 +10630,7 @@
           <p:cNvPr id="23" name="Título 1">
             <a:extLst>
               <a:ext uri="{FF2B5EF4-FFF2-40B4-BE49-F238E27FC236}">
-                <a16:creationId xmlns:a16="http://schemas.microsoft.com/office/drawing/2014/main" xmlns="" id="{E1DD3CF2-B58E-FFFA-CC44-24E153BAAA08}"/>
+                <a16:creationId xmlns="" xmlns:a16="http://schemas.microsoft.com/office/drawing/2014/main" id="{E1DD3CF2-B58E-FFFA-CC44-24E153BAAA08}"/>
               </a:ext>
             </a:extLst>
           </p:cNvPr>
@@ -10710,7 +10700,7 @@
           <p:cNvPr id="24" name="Título 1">
             <a:extLst>
               <a:ext uri="{FF2B5EF4-FFF2-40B4-BE49-F238E27FC236}">
-                <a16:creationId xmlns:a16="http://schemas.microsoft.com/office/drawing/2014/main" xmlns="" id="{96653C20-5D73-6AC7-AD4D-29A9D6D74E1B}"/>
+                <a16:creationId xmlns="" xmlns:a16="http://schemas.microsoft.com/office/drawing/2014/main" id="{96653C20-5D73-6AC7-AD4D-29A9D6D74E1B}"/>
               </a:ext>
             </a:extLst>
           </p:cNvPr>
@@ -11101,7 +11091,7 @@
             <a:effectLst/>
             <a:extLst>
               <a:ext uri="{C572A759-6A51-4108-AA02-DFA0A04FC94B}">
-                <ma14:wrappingTextBoxFlag xmlns="" xmlns:m="http://schemas.openxmlformats.org/officeDocument/2006/math" xmlns:a14="http://schemas.microsoft.com/office/drawing/2010/main" xmlns:ma14="http://schemas.microsoft.com/office/mac/drawingml/2011/main" val="1"/>
+                <ma14:wrappingTextBoxFlag xmlns:ma14="http://schemas.microsoft.com/office/mac/drawingml/2011/main" xmlns:a14="http://schemas.microsoft.com/office/drawing/2010/main" xmlns:m="http://schemas.openxmlformats.org/officeDocument/2006/math" xmlns="" val="1"/>
               </a:ext>
             </a:extLst>
           </p:spPr>
@@ -11206,7 +11196,7 @@
             <a:effectLst/>
             <a:extLst>
               <a:ext uri="{C572A759-6A51-4108-AA02-DFA0A04FC94B}">
-                <ma14:wrappingTextBoxFlag xmlns="" xmlns:m="http://schemas.openxmlformats.org/officeDocument/2006/math" xmlns:a14="http://schemas.microsoft.com/office/drawing/2010/main" xmlns:ma14="http://schemas.microsoft.com/office/mac/drawingml/2011/main" val="1"/>
+                <ma14:wrappingTextBoxFlag xmlns:ma14="http://schemas.microsoft.com/office/mac/drawingml/2011/main" xmlns:a14="http://schemas.microsoft.com/office/drawing/2010/main" xmlns:m="http://schemas.openxmlformats.org/officeDocument/2006/math" xmlns="" val="1"/>
               </a:ext>
             </a:extLst>
           </p:spPr>
@@ -11614,7 +11604,7 @@
     <a:masterClrMapping/>
   </p:clrMapOvr>
   <mc:AlternateContent xmlns:mc="http://schemas.openxmlformats.org/markup-compatibility/2006">
-    <mc:Choice xmlns:p159="http://schemas.microsoft.com/office/powerpoint/2015/09/main" xmlns="" Requires="p159">
+    <mc:Choice xmlns="" xmlns:p159="http://schemas.microsoft.com/office/powerpoint/2015/09/main" Requires="p159">
       <p:transition xmlns:p14="http://schemas.microsoft.com/office/powerpoint/2010/main" spd="slow" p14:dur="2000">
         <p159:morph option="byObject"/>
       </p:transition>
@@ -11824,7 +11814,7 @@
           <p:cNvPr id="2" name="Imagen 1">
             <a:extLst>
               <a:ext uri="{FF2B5EF4-FFF2-40B4-BE49-F238E27FC236}">
-                <a16:creationId xmlns:a16="http://schemas.microsoft.com/office/drawing/2014/main" xmlns="" id="{8495C0A0-4965-B406-97D2-0C73E97D488B}"/>
+                <a16:creationId xmlns="" xmlns:a16="http://schemas.microsoft.com/office/drawing/2014/main" id="{8495C0A0-4965-B406-97D2-0C73E97D488B}"/>
               </a:ext>
             </a:extLst>
           </p:cNvPr>
@@ -11841,7 +11831,7 @@
         </p:blipFill>
         <p:spPr>
           <a:xfrm>
-            <a:off x="0" y="-394558"/>
+            <a:off x="0" y="5501"/>
             <a:ext cx="12192000" cy="6858000"/>
           </a:xfrm>
           <a:prstGeom prst="rect">
@@ -11854,7 +11844,7 @@
           <p:cNvPr id="3" name="Marcador de número de diapositiva 3">
             <a:extLst>
               <a:ext uri="{FF2B5EF4-FFF2-40B4-BE49-F238E27FC236}">
-                <a16:creationId xmlns:a16="http://schemas.microsoft.com/office/drawing/2014/main" xmlns="" id="{958FBA5A-A58E-C697-8203-4F8B9AE81A4E}"/>
+                <a16:creationId xmlns="" xmlns:a16="http://schemas.microsoft.com/office/drawing/2014/main" id="{958FBA5A-A58E-C697-8203-4F8B9AE81A4E}"/>
               </a:ext>
             </a:extLst>
           </p:cNvPr>
@@ -11888,7 +11878,7 @@
           <p:cNvPr id="23" name="Título 1">
             <a:extLst>
               <a:ext uri="{FF2B5EF4-FFF2-40B4-BE49-F238E27FC236}">
-                <a16:creationId xmlns:a16="http://schemas.microsoft.com/office/drawing/2014/main" xmlns="" id="{E1DD3CF2-B58E-FFFA-CC44-24E153BAAA08}"/>
+                <a16:creationId xmlns="" xmlns:a16="http://schemas.microsoft.com/office/drawing/2014/main" id="{E1DD3CF2-B58E-FFFA-CC44-24E153BAAA08}"/>
               </a:ext>
             </a:extLst>
           </p:cNvPr>
@@ -11958,7 +11948,7 @@
           <p:cNvPr id="24" name="Título 1">
             <a:extLst>
               <a:ext uri="{FF2B5EF4-FFF2-40B4-BE49-F238E27FC236}">
-                <a16:creationId xmlns:a16="http://schemas.microsoft.com/office/drawing/2014/main" xmlns="" id="{96653C20-5D73-6AC7-AD4D-29A9D6D74E1B}"/>
+                <a16:creationId xmlns="" xmlns:a16="http://schemas.microsoft.com/office/drawing/2014/main" id="{96653C20-5D73-6AC7-AD4D-29A9D6D74E1B}"/>
               </a:ext>
             </a:extLst>
           </p:cNvPr>
@@ -12349,7 +12339,7 @@
             <a:effectLst/>
             <a:extLst>
               <a:ext uri="{C572A759-6A51-4108-AA02-DFA0A04FC94B}">
-                <ma14:wrappingTextBoxFlag xmlns="" xmlns:m="http://schemas.openxmlformats.org/officeDocument/2006/math" xmlns:a14="http://schemas.microsoft.com/office/drawing/2010/main" xmlns:ma14="http://schemas.microsoft.com/office/mac/drawingml/2011/main" val="1"/>
+                <ma14:wrappingTextBoxFlag xmlns:ma14="http://schemas.microsoft.com/office/mac/drawingml/2011/main" xmlns:a14="http://schemas.microsoft.com/office/drawing/2010/main" xmlns:m="http://schemas.openxmlformats.org/officeDocument/2006/math" xmlns="" val="1"/>
               </a:ext>
             </a:extLst>
           </p:spPr>
@@ -12454,7 +12444,7 @@
             <a:effectLst/>
             <a:extLst>
               <a:ext uri="{C572A759-6A51-4108-AA02-DFA0A04FC94B}">
-                <ma14:wrappingTextBoxFlag xmlns="" xmlns:m="http://schemas.openxmlformats.org/officeDocument/2006/math" xmlns:a14="http://schemas.microsoft.com/office/drawing/2010/main" xmlns:ma14="http://schemas.microsoft.com/office/mac/drawingml/2011/main" val="1"/>
+                <ma14:wrappingTextBoxFlag xmlns:ma14="http://schemas.microsoft.com/office/mac/drawingml/2011/main" xmlns:a14="http://schemas.microsoft.com/office/drawing/2010/main" xmlns:m="http://schemas.openxmlformats.org/officeDocument/2006/math" xmlns="" val="1"/>
               </a:ext>
             </a:extLst>
           </p:spPr>
@@ -13115,7 +13105,7 @@
     <a:masterClrMapping/>
   </p:clrMapOvr>
   <mc:AlternateContent xmlns:mc="http://schemas.openxmlformats.org/markup-compatibility/2006">
-    <mc:Choice xmlns:p159="http://schemas.microsoft.com/office/powerpoint/2015/09/main" xmlns="" Requires="p159">
+    <mc:Choice xmlns="" xmlns:p159="http://schemas.microsoft.com/office/powerpoint/2015/09/main" Requires="p159">
       <p:transition xmlns:p14="http://schemas.microsoft.com/office/powerpoint/2010/main" spd="slow" p14:dur="2000">
         <p159:morph option="byObject"/>
       </p:transition>
@@ -13325,7 +13315,7 @@
           <p:cNvPr id="2" name="Imagen 1">
             <a:extLst>
               <a:ext uri="{FF2B5EF4-FFF2-40B4-BE49-F238E27FC236}">
-                <a16:creationId xmlns:a16="http://schemas.microsoft.com/office/drawing/2014/main" xmlns="" id="{8495C0A0-4965-B406-97D2-0C73E97D488B}"/>
+                <a16:creationId xmlns="" xmlns:a16="http://schemas.microsoft.com/office/drawing/2014/main" id="{8495C0A0-4965-B406-97D2-0C73E97D488B}"/>
               </a:ext>
             </a:extLst>
           </p:cNvPr>
@@ -13355,7 +13345,7 @@
           <p:cNvPr id="3" name="Marcador de número de diapositiva 3">
             <a:extLst>
               <a:ext uri="{FF2B5EF4-FFF2-40B4-BE49-F238E27FC236}">
-                <a16:creationId xmlns:a16="http://schemas.microsoft.com/office/drawing/2014/main" xmlns="" id="{958FBA5A-A58E-C697-8203-4F8B9AE81A4E}"/>
+                <a16:creationId xmlns="" xmlns:a16="http://schemas.microsoft.com/office/drawing/2014/main" id="{958FBA5A-A58E-C697-8203-4F8B9AE81A4E}"/>
               </a:ext>
             </a:extLst>
           </p:cNvPr>
@@ -13389,7 +13379,7 @@
           <p:cNvPr id="23" name="Título 1">
             <a:extLst>
               <a:ext uri="{FF2B5EF4-FFF2-40B4-BE49-F238E27FC236}">
-                <a16:creationId xmlns:a16="http://schemas.microsoft.com/office/drawing/2014/main" xmlns="" id="{E1DD3CF2-B58E-FFFA-CC44-24E153BAAA08}"/>
+                <a16:creationId xmlns="" xmlns:a16="http://schemas.microsoft.com/office/drawing/2014/main" id="{E1DD3CF2-B58E-FFFA-CC44-24E153BAAA08}"/>
               </a:ext>
             </a:extLst>
           </p:cNvPr>
@@ -13459,7 +13449,7 @@
           <p:cNvPr id="24" name="Título 1">
             <a:extLst>
               <a:ext uri="{FF2B5EF4-FFF2-40B4-BE49-F238E27FC236}">
-                <a16:creationId xmlns:a16="http://schemas.microsoft.com/office/drawing/2014/main" xmlns="" id="{96653C20-5D73-6AC7-AD4D-29A9D6D74E1B}"/>
+                <a16:creationId xmlns="" xmlns:a16="http://schemas.microsoft.com/office/drawing/2014/main" id="{96653C20-5D73-6AC7-AD4D-29A9D6D74E1B}"/>
               </a:ext>
             </a:extLst>
           </p:cNvPr>
@@ -13528,7 +13518,7 @@
           <p:cNvPr id="41" name="Rectángulo redondeado 30">
             <a:extLst>
               <a:ext uri="{FF2B5EF4-FFF2-40B4-BE49-F238E27FC236}">
-                <a16:creationId xmlns:a16="http://schemas.microsoft.com/office/drawing/2014/main" xmlns="" id="{80BB5CA9-6BAF-7E14-AA22-D2BAD29E8C87}"/>
+                <a16:creationId xmlns="" xmlns:a16="http://schemas.microsoft.com/office/drawing/2014/main" id="{80BB5CA9-6BAF-7E14-AA22-D2BAD29E8C87}"/>
               </a:ext>
             </a:extLst>
           </p:cNvPr>
@@ -13590,7 +13580,7 @@
           <p:cNvPr id="42" name="Subtítulo 2">
             <a:extLst>
               <a:ext uri="{FF2B5EF4-FFF2-40B4-BE49-F238E27FC236}">
-                <a16:creationId xmlns:a16="http://schemas.microsoft.com/office/drawing/2014/main" xmlns="" id="{2823FBAE-8D0D-34B3-24D4-48BB96A3622B}"/>
+                <a16:creationId xmlns="" xmlns:a16="http://schemas.microsoft.com/office/drawing/2014/main" id="{2823FBAE-8D0D-34B3-24D4-48BB96A3622B}"/>
               </a:ext>
             </a:extLst>
           </p:cNvPr>
@@ -13790,17 +13780,7 @@
                 <a:latin typeface="Verdana" panose="020B0604030504040204" pitchFamily="34" charset="0"/>
                 <a:ea typeface="Verdana" panose="020B0604030504040204" pitchFamily="34" charset="0"/>
               </a:rPr>
-              <a:t>Regresión Lineal </a:t>
-            </a:r>
-            <a:r>
-              <a:rPr lang="en-US" sz="1400" b="1" smtClean="0">
-                <a:solidFill>
-                  <a:schemeClr val="bg1"/>
-                </a:solidFill>
-                <a:latin typeface="Verdana" panose="020B0604030504040204" pitchFamily="34" charset="0"/>
-                <a:ea typeface="Verdana" panose="020B0604030504040204" pitchFamily="34" charset="0"/>
-              </a:rPr>
-              <a:t>Polinómica</a:t>
+              <a:t>Regresión Lineal Polinómica</a:t>
             </a:r>
             <a:endParaRPr lang="en-US" sz="1400" b="1">
               <a:solidFill>
@@ -13831,7 +13811,7 @@
           </a:ln>
           <a:extLst>
             <a:ext uri="{C572A759-6A51-4108-AA02-DFA0A04FC94B}">
-              <ma14:wrappingTextBoxFlag xmlns="" xmlns:m="http://schemas.openxmlformats.org/officeDocument/2006/math" xmlns:a14="http://schemas.microsoft.com/office/drawing/2010/main" xmlns:ma14="http://schemas.microsoft.com/office/mac/drawingml/2011/main" val="1"/>
+              <ma14:wrappingTextBoxFlag xmlns:ma14="http://schemas.microsoft.com/office/mac/drawingml/2011/main" xmlns:a14="http://schemas.microsoft.com/office/drawing/2010/main" xmlns:m="http://schemas.openxmlformats.org/officeDocument/2006/math" xmlns="" val="1"/>
             </a:ext>
           </a:extLst>
         </p:spPr>
@@ -14008,7 +13988,7 @@
           </a:ln>
           <a:extLst>
             <a:ext uri="{C572A759-6A51-4108-AA02-DFA0A04FC94B}">
-              <ma14:wrappingTextBoxFlag xmlns="" xmlns:m="http://schemas.openxmlformats.org/officeDocument/2006/math" xmlns:a14="http://schemas.microsoft.com/office/drawing/2010/main" xmlns:ma14="http://schemas.microsoft.com/office/mac/drawingml/2011/main" val="1"/>
+              <ma14:wrappingTextBoxFlag xmlns:ma14="http://schemas.microsoft.com/office/mac/drawingml/2011/main" xmlns:a14="http://schemas.microsoft.com/office/drawing/2010/main" xmlns:m="http://schemas.openxmlformats.org/officeDocument/2006/math" xmlns="" val="1"/>
             </a:ext>
           </a:extLst>
         </p:spPr>
@@ -14059,7 +14039,7 @@
           </a:ln>
           <a:extLst>
             <a:ext uri="{C572A759-6A51-4108-AA02-DFA0A04FC94B}">
-              <ma14:wrappingTextBoxFlag xmlns="" xmlns:m="http://schemas.openxmlformats.org/officeDocument/2006/math" xmlns:a14="http://schemas.microsoft.com/office/drawing/2010/main" xmlns:ma14="http://schemas.microsoft.com/office/mac/drawingml/2011/main" val="1"/>
+              <ma14:wrappingTextBoxFlag xmlns:ma14="http://schemas.microsoft.com/office/mac/drawingml/2011/main" xmlns:a14="http://schemas.microsoft.com/office/drawing/2010/main" xmlns:m="http://schemas.openxmlformats.org/officeDocument/2006/math" xmlns="" val="1"/>
             </a:ext>
           </a:extLst>
         </p:spPr>
@@ -14144,7 +14124,7 @@
     <a:masterClrMapping/>
   </p:clrMapOvr>
   <mc:AlternateContent xmlns:mc="http://schemas.openxmlformats.org/markup-compatibility/2006">
-    <mc:Choice xmlns:p159="http://schemas.microsoft.com/office/powerpoint/2015/09/main" xmlns="" Requires="p159">
+    <mc:Choice xmlns="" xmlns:p159="http://schemas.microsoft.com/office/powerpoint/2015/09/main" Requires="p159">
       <p:transition xmlns:p14="http://schemas.microsoft.com/office/powerpoint/2010/main" spd="slow" p14:dur="2000">
         <p159:morph option="byObject"/>
       </p:transition>
@@ -14916,6 +14896,93 @@
 </file>
 
 <file path=customXml/item1.xml><?xml version="1.0" encoding="utf-8"?>
+<?mso-contentType ?>
+<spe:Receivers xmlns:spe="http://schemas.microsoft.com/sharepoint/events"/>
+</file>
+
+<file path=customXml/item2.xml><?xml version="1.0" encoding="utf-8"?>
+<?mso-contentType ?>
+<FormTemplates xmlns="http://schemas.microsoft.com/sharepoint/v3/contenttype/forms">
+  <Display>DocumentLibraryForm</Display>
+  <Edit>DocumentLibraryForm</Edit>
+  <New>DocumentLibraryForm</New>
+</FormTemplates>
+</file>
+
+<file path=customXml/item3.xml><?xml version="1.0" encoding="utf-8"?>
+<p:properties xmlns:p="http://schemas.microsoft.com/office/2006/metadata/properties" xmlns:xsi="http://www.w3.org/2001/XMLSchema-instance" xmlns:pc="http://schemas.microsoft.com/office/infopath/2007/PartnerControls">
+  <documentManagement>
+    <TaxCatchAll xmlns="0d112806-a571-4b5c-9687-83175e2be7e0">
+      <Value>100</Value>
+      <Value>410</Value>
+      <Value>3</Value>
+      <Value>2</Value>
+      <Value>54</Value>
+      <Value>85</Value>
+    </TaxCatchAll>
+    <jf7e3681a28b49cbb02ac7c0053f9030 xmlns="0d112806-a571-4b5c-9687-83175e2be7e0">
+      <Terms xmlns="http://schemas.microsoft.com/office/infopath/2007/PartnerControls">
+        <TermInfo xmlns="http://schemas.microsoft.com/office/infopath/2007/PartnerControls">
+          <TermName xmlns="http://schemas.microsoft.com/office/infopath/2007/PartnerControls">Artefactos de marca</TermName>
+          <TermId xmlns="http://schemas.microsoft.com/office/infopath/2007/PartnerControls">8ee79862-260e-4ece-b336-79e88acc770f</TermId>
+        </TermInfo>
+      </Terms>
+    </jf7e3681a28b49cbb02ac7c0053f9030>
+    <EstatusVigenciaRetencion xmlns="0d112806-a571-4b5c-9687-83175e2be7e0">En proceso</EstatusVigenciaRetencion>
+    <BanderaAviso xmlns="0d112806-a571-4b5c-9687-83175e2be7e0">0</BanderaAviso>
+    <p7c0553556804494a200f658a7be40bb xmlns="0d112806-a571-4b5c-9687-83175e2be7e0">
+      <Terms xmlns="http://schemas.microsoft.com/office/infopath/2007/PartnerControls"/>
+    </p7c0553556804494a200f658a7be40bb>
+    <p99903d2540a45ee9a3299a0b877a2fa xmlns="0d112806-a571-4b5c-9687-83175e2be7e0">
+      <Terms xmlns="http://schemas.microsoft.com/office/infopath/2007/PartnerControls">
+        <TermInfo xmlns="http://schemas.microsoft.com/office/infopath/2007/PartnerControls">
+          <TermName xmlns="http://schemas.microsoft.com/office/infopath/2007/PartnerControls">Uso interno</TermName>
+          <TermId xmlns="http://schemas.microsoft.com/office/infopath/2007/PartnerControls">394084ff-5794-49bc-be44-73be0f39b062</TermId>
+        </TermInfo>
+      </Terms>
+    </p99903d2540a45ee9a3299a0b877a2fa>
+    <h4dfef7ba72949018326fb9ce4d0a291 xmlns="0d112806-a571-4b5c-9687-83175e2be7e0">
+      <Terms xmlns="http://schemas.microsoft.com/office/infopath/2007/PartnerControls">
+        <TermInfo xmlns="http://schemas.microsoft.com/office/infopath/2007/PartnerControls">
+          <TermName xmlns="http://schemas.microsoft.com/office/infopath/2007/PartnerControls">Plantilla</TermName>
+          <TermId xmlns="http://schemas.microsoft.com/office/infopath/2007/PartnerControls">d5e1061d-919e-4442-88e7-3049796b4315</TermId>
+        </TermInfo>
+      </Terms>
+    </h4dfef7ba72949018326fb9ce4d0a291>
+    <VersionDocumento xmlns="0d112806-a571-4b5c-9687-83175e2be7e0">1</VersionDocumento>
+    <PeriodoVigenciaOp xmlns="0d112806-a571-4b5c-9687-83175e2be7e0">5 años</PeriodoVigenciaOp>
+    <Acciones xmlns="0d112806-a571-4b5c-9687-83175e2be7e0" xsi:nil="true"/>
+    <ebe43492e85446a78a91ba8fc80b6dc0 xmlns="0d112806-a571-4b5c-9687-83175e2be7e0">
+      <Terms xmlns="http://schemas.microsoft.com/office/infopath/2007/PartnerControls">
+        <TermInfo xmlns="http://schemas.microsoft.com/office/infopath/2007/PartnerControls">
+          <TermName xmlns="http://schemas.microsoft.com/office/infopath/2007/PartnerControls">Marketing</TermName>
+          <TermId xmlns="http://schemas.microsoft.com/office/infopath/2007/PartnerControls">9df7ab70-40b0-4076-8e0b-a73a90c2278a</TermId>
+        </TermInfo>
+      </Terms>
+    </ebe43492e85446a78a91ba8fc80b6dc0>
+    <FechaUltimaActualizacion xmlns="0d112806-a571-4b5c-9687-83175e2be7e0">2023-04-25T05:00:00+00:00</FechaUltimaActualizacion>
+    <j14b7e14421c46c7bd9164aa7bc27f64 xmlns="0d112806-a571-4b5c-9687-83175e2be7e0">
+      <Terms xmlns="http://schemas.microsoft.com/office/infopath/2007/PartnerControls">
+        <TermInfo xmlns="http://schemas.microsoft.com/office/infopath/2007/PartnerControls">
+          <TermName xmlns="http://schemas.microsoft.com/office/infopath/2007/PartnerControls">Corporativo</TermName>
+          <TermId xmlns="http://schemas.microsoft.com/office/infopath/2007/PartnerControls">71edeffe-accb-475b-a642-bfb9a76fd90b</TermId>
+        </TermInfo>
+      </Terms>
+    </j14b7e14421c46c7bd9164aa7bc27f64>
+    <Título_x0020__x0028_CentralAxity_x0029_ xmlns="0d112806-a571-4b5c-9687-83175e2be7e0">Plantilla PowerPoint Corporativa</Título_x0020__x0028_CentralAxity_x0029_>
+    <h5ed8971cb164a0da78e87f7bb125ff3 xmlns="0d112806-a571-4b5c-9687-83175e2be7e0">
+      <Terms xmlns="http://schemas.microsoft.com/office/infopath/2007/PartnerControls">
+        <TermInfo xmlns="http://schemas.microsoft.com/office/infopath/2007/PartnerControls">
+          <TermName xmlns="http://schemas.microsoft.com/office/infopath/2007/PartnerControls">sonia.reyes@axity.com</TermName>
+          <TermId xmlns="http://schemas.microsoft.com/office/infopath/2007/PartnerControls">5ef0832a-0176-4c98-9fa8-63ba5e52a41a</TermId>
+        </TermInfo>
+      </Terms>
+    </h5ed8971cb164a0da78e87f7bb125ff3>
+  </documentManagement>
+</p:properties>
+</file>
+
+<file path=customXml/item4.xml><?xml version="1.0" encoding="utf-8"?>
 <ct:contentTypeSchema xmlns:ct="http://schemas.microsoft.com/office/2006/metadata/contentType" xmlns:ma="http://schemas.microsoft.com/office/2006/metadata/properties/metaAttributes" ct:_="" ma:_="" ma:contentTypeName="Documento CentralAxity" ma:contentTypeID="0x0101005A854A2E6B3FC44BBB7F26F86BC45764002E846109D8A79B4CB1EC976CD11B6E35" ma:contentTypeVersion="50" ma:contentTypeDescription="Documento incorporado a las directivas de la CentralAxity" ma:contentTypeScope="" ma:versionID="597f588e411d17887b088d4f21d28ad0">
   <xsd:schema xmlns:xsd="http://www.w3.org/2001/XMLSchema" xmlns:xs="http://www.w3.org/2001/XMLSchema" xmlns:p="http://schemas.microsoft.com/office/2006/metadata/properties" xmlns:ns1="http://schemas.microsoft.com/sharepoint/v3" xmlns:ns2="0d112806-a571-4b5c-9687-83175e2be7e0" xmlns:ns3="5715b14d-6155-4883-b773-4a6f0b526cee" xmlns:ns4="494b7d94-68f9-41b0-9fd8-f8ea6ae98d38" targetNamespace="http://schemas.microsoft.com/office/2006/metadata/properties" ma:root="true" ma:fieldsID="02c9543a257ef598f71b0847a18c2884" ns1:_="" ns2:_="" ns3:_="" ns4:_="">
     <xsd:import namespace="http://schemas.microsoft.com/sharepoint/v3"/>
@@ -15246,94 +15313,42 @@
 </ct:contentTypeSchema>
 </file>
 
-<file path=customXml/item2.xml><?xml version="1.0" encoding="utf-8"?>
-<p:properties xmlns:p="http://schemas.microsoft.com/office/2006/metadata/properties" xmlns:xsi="http://www.w3.org/2001/XMLSchema-instance" xmlns:pc="http://schemas.microsoft.com/office/infopath/2007/PartnerControls">
-  <documentManagement>
-    <TaxCatchAll xmlns="0d112806-a571-4b5c-9687-83175e2be7e0">
-      <Value>100</Value>
-      <Value>410</Value>
-      <Value>3</Value>
-      <Value>2</Value>
-      <Value>54</Value>
-      <Value>85</Value>
-    </TaxCatchAll>
-    <jf7e3681a28b49cbb02ac7c0053f9030 xmlns="0d112806-a571-4b5c-9687-83175e2be7e0">
-      <Terms xmlns="http://schemas.microsoft.com/office/infopath/2007/PartnerControls">
-        <TermInfo xmlns="http://schemas.microsoft.com/office/infopath/2007/PartnerControls">
-          <TermName xmlns="http://schemas.microsoft.com/office/infopath/2007/PartnerControls">Artefactos de marca</TermName>
-          <TermId xmlns="http://schemas.microsoft.com/office/infopath/2007/PartnerControls">8ee79862-260e-4ece-b336-79e88acc770f</TermId>
-        </TermInfo>
-      </Terms>
-    </jf7e3681a28b49cbb02ac7c0053f9030>
-    <EstatusVigenciaRetencion xmlns="0d112806-a571-4b5c-9687-83175e2be7e0">En proceso</EstatusVigenciaRetencion>
-    <BanderaAviso xmlns="0d112806-a571-4b5c-9687-83175e2be7e0">0</BanderaAviso>
-    <p7c0553556804494a200f658a7be40bb xmlns="0d112806-a571-4b5c-9687-83175e2be7e0">
-      <Terms xmlns="http://schemas.microsoft.com/office/infopath/2007/PartnerControls"/>
-    </p7c0553556804494a200f658a7be40bb>
-    <p99903d2540a45ee9a3299a0b877a2fa xmlns="0d112806-a571-4b5c-9687-83175e2be7e0">
-      <Terms xmlns="http://schemas.microsoft.com/office/infopath/2007/PartnerControls">
-        <TermInfo xmlns="http://schemas.microsoft.com/office/infopath/2007/PartnerControls">
-          <TermName xmlns="http://schemas.microsoft.com/office/infopath/2007/PartnerControls">Uso interno</TermName>
-          <TermId xmlns="http://schemas.microsoft.com/office/infopath/2007/PartnerControls">394084ff-5794-49bc-be44-73be0f39b062</TermId>
-        </TermInfo>
-      </Terms>
-    </p99903d2540a45ee9a3299a0b877a2fa>
-    <h4dfef7ba72949018326fb9ce4d0a291 xmlns="0d112806-a571-4b5c-9687-83175e2be7e0">
-      <Terms xmlns="http://schemas.microsoft.com/office/infopath/2007/PartnerControls">
-        <TermInfo xmlns="http://schemas.microsoft.com/office/infopath/2007/PartnerControls">
-          <TermName xmlns="http://schemas.microsoft.com/office/infopath/2007/PartnerControls">Plantilla</TermName>
-          <TermId xmlns="http://schemas.microsoft.com/office/infopath/2007/PartnerControls">d5e1061d-919e-4442-88e7-3049796b4315</TermId>
-        </TermInfo>
-      </Terms>
-    </h4dfef7ba72949018326fb9ce4d0a291>
-    <VersionDocumento xmlns="0d112806-a571-4b5c-9687-83175e2be7e0">1</VersionDocumento>
-    <PeriodoVigenciaOp xmlns="0d112806-a571-4b5c-9687-83175e2be7e0">5 años</PeriodoVigenciaOp>
-    <Acciones xmlns="0d112806-a571-4b5c-9687-83175e2be7e0" xsi:nil="true"/>
-    <ebe43492e85446a78a91ba8fc80b6dc0 xmlns="0d112806-a571-4b5c-9687-83175e2be7e0">
-      <Terms xmlns="http://schemas.microsoft.com/office/infopath/2007/PartnerControls">
-        <TermInfo xmlns="http://schemas.microsoft.com/office/infopath/2007/PartnerControls">
-          <TermName xmlns="http://schemas.microsoft.com/office/infopath/2007/PartnerControls">Marketing</TermName>
-          <TermId xmlns="http://schemas.microsoft.com/office/infopath/2007/PartnerControls">9df7ab70-40b0-4076-8e0b-a73a90c2278a</TermId>
-        </TermInfo>
-      </Terms>
-    </ebe43492e85446a78a91ba8fc80b6dc0>
-    <FechaUltimaActualizacion xmlns="0d112806-a571-4b5c-9687-83175e2be7e0">2023-04-25T05:00:00+00:00</FechaUltimaActualizacion>
-    <j14b7e14421c46c7bd9164aa7bc27f64 xmlns="0d112806-a571-4b5c-9687-83175e2be7e0">
-      <Terms xmlns="http://schemas.microsoft.com/office/infopath/2007/PartnerControls">
-        <TermInfo xmlns="http://schemas.microsoft.com/office/infopath/2007/PartnerControls">
-          <TermName xmlns="http://schemas.microsoft.com/office/infopath/2007/PartnerControls">Corporativo</TermName>
-          <TermId xmlns="http://schemas.microsoft.com/office/infopath/2007/PartnerControls">71edeffe-accb-475b-a642-bfb9a76fd90b</TermId>
-        </TermInfo>
-      </Terms>
-    </j14b7e14421c46c7bd9164aa7bc27f64>
-    <Título_x0020__x0028_CentralAxity_x0029_ xmlns="0d112806-a571-4b5c-9687-83175e2be7e0">Plantilla PowerPoint Corporativa</Título_x0020__x0028_CentralAxity_x0029_>
-    <h5ed8971cb164a0da78e87f7bb125ff3 xmlns="0d112806-a571-4b5c-9687-83175e2be7e0">
-      <Terms xmlns="http://schemas.microsoft.com/office/infopath/2007/PartnerControls">
-        <TermInfo xmlns="http://schemas.microsoft.com/office/infopath/2007/PartnerControls">
-          <TermName xmlns="http://schemas.microsoft.com/office/infopath/2007/PartnerControls">sonia.reyes@axity.com</TermName>
-          <TermId xmlns="http://schemas.microsoft.com/office/infopath/2007/PartnerControls">5ef0832a-0176-4c98-9fa8-63ba5e52a41a</TermId>
-        </TermInfo>
-      </Terms>
-    </h5ed8971cb164a0da78e87f7bb125ff3>
-  </documentManagement>
-</p:properties>
+<file path=customXml/itemProps1.xml><?xml version="1.0" encoding="utf-8"?>
+<ds:datastoreItem xmlns:ds="http://schemas.openxmlformats.org/officeDocument/2006/customXml" ds:itemID="{4715E428-4D5D-44BE-8CDF-D0767275E30E}">
+  <ds:schemaRefs>
+    <ds:schemaRef ds:uri="http://schemas.microsoft.com/sharepoint/events"/>
+  </ds:schemaRefs>
+</ds:datastoreItem>
 </file>
 
-<file path=customXml/item3.xml><?xml version="1.0" encoding="utf-8"?>
-<?mso-contentType ?>
-<FormTemplates xmlns="http://schemas.microsoft.com/sharepoint/v3/contenttype/forms">
-  <Display>DocumentLibraryForm</Display>
-  <Edit>DocumentLibraryForm</Edit>
-  <New>DocumentLibraryForm</New>
-</FormTemplates>
+<file path=customXml/itemProps2.xml><?xml version="1.0" encoding="utf-8"?>
+<ds:datastoreItem xmlns:ds="http://schemas.openxmlformats.org/officeDocument/2006/customXml" ds:itemID="{E35C8FFE-5946-45D2-8509-5F55C5B9ED1B}">
+  <ds:schemaRefs>
+    <ds:schemaRef ds:uri="http://schemas.microsoft.com/sharepoint/v3/contenttype/forms"/>
+  </ds:schemaRefs>
+</ds:datastoreItem>
 </file>
 
-<file path=customXml/item4.xml><?xml version="1.0" encoding="utf-8"?>
-<?mso-contentType ?>
-<spe:Receivers xmlns:spe="http://schemas.microsoft.com/sharepoint/events"/>
+<file path=customXml/itemProps3.xml><?xml version="1.0" encoding="utf-8"?>
+<ds:datastoreItem xmlns:ds="http://schemas.openxmlformats.org/officeDocument/2006/customXml" ds:itemID="{2D0DF8DB-B03C-4353-B44A-DA8E261EF087}">
+  <ds:schemaRefs>
+    <ds:schemaRef ds:uri="5715b14d-6155-4883-b773-4a6f0b526cee"/>
+    <ds:schemaRef ds:uri="http://schemas.openxmlformats.org/package/2006/metadata/core-properties"/>
+    <ds:schemaRef ds:uri="0d112806-a571-4b5c-9687-83175e2be7e0"/>
+    <ds:schemaRef ds:uri="http://schemas.microsoft.com/office/2006/metadata/properties"/>
+    <ds:schemaRef ds:uri="http://purl.org/dc/elements/1.1/"/>
+    <ds:schemaRef ds:uri="http://purl.org/dc/dcmitype/"/>
+    <ds:schemaRef ds:uri="http://schemas.microsoft.com/office/2006/documentManagement/types"/>
+    <ds:schemaRef ds:uri="http://www.w3.org/XML/1998/namespace"/>
+    <ds:schemaRef ds:uri="http://schemas.microsoft.com/sharepoint/v3"/>
+    <ds:schemaRef ds:uri="http://schemas.microsoft.com/office/infopath/2007/PartnerControls"/>
+    <ds:schemaRef ds:uri="494b7d94-68f9-41b0-9fd8-f8ea6ae98d38"/>
+    <ds:schemaRef ds:uri="http://purl.org/dc/terms/"/>
+  </ds:schemaRefs>
+</ds:datastoreItem>
 </file>
 
-<file path=customXml/itemProps1.xml><?xml version="1.0" encoding="utf-8"?>
+<file path=customXml/itemProps4.xml><?xml version="1.0" encoding="utf-8"?>
 <ds:datastoreItem xmlns:ds="http://schemas.openxmlformats.org/officeDocument/2006/customXml" ds:itemID="{F691990F-56CB-48C0-A899-B2AAEA1FE2B5}">
   <ds:schemaRefs>
     <ds:schemaRef ds:uri="http://schemas.microsoft.com/office/2006/metadata/contentType"/>
@@ -15352,39 +15367,4 @@
     <ds:schemaRef ds:uri="http://schemas.microsoft.com/internal/obd"/>
   </ds:schemaRefs>
 </ds:datastoreItem>
-</file>
-
-<file path=customXml/itemProps2.xml><?xml version="1.0" encoding="utf-8"?>
-<ds:datastoreItem xmlns:ds="http://schemas.openxmlformats.org/officeDocument/2006/customXml" ds:itemID="{2D0DF8DB-B03C-4353-B44A-DA8E261EF087}">
-  <ds:schemaRefs>
-    <ds:schemaRef ds:uri="5715b14d-6155-4883-b773-4a6f0b526cee"/>
-    <ds:schemaRef ds:uri="http://schemas.openxmlformats.org/package/2006/metadata/core-properties"/>
-    <ds:schemaRef ds:uri="0d112806-a571-4b5c-9687-83175e2be7e0"/>
-    <ds:schemaRef ds:uri="http://schemas.microsoft.com/office/2006/metadata/properties"/>
-    <ds:schemaRef ds:uri="http://purl.org/dc/elements/1.1/"/>
-    <ds:schemaRef ds:uri="http://purl.org/dc/dcmitype/"/>
-    <ds:schemaRef ds:uri="http://schemas.microsoft.com/office/2006/documentManagement/types"/>
-    <ds:schemaRef ds:uri="http://www.w3.org/XML/1998/namespace"/>
-    <ds:schemaRef ds:uri="http://schemas.microsoft.com/sharepoint/v3"/>
-    <ds:schemaRef ds:uri="http://schemas.microsoft.com/office/infopath/2007/PartnerControls"/>
-    <ds:schemaRef ds:uri="494b7d94-68f9-41b0-9fd8-f8ea6ae98d38"/>
-    <ds:schemaRef ds:uri="http://purl.org/dc/terms/"/>
-  </ds:schemaRefs>
-</ds:datastoreItem>
-</file>
-
-<file path=customXml/itemProps3.xml><?xml version="1.0" encoding="utf-8"?>
-<ds:datastoreItem xmlns:ds="http://schemas.openxmlformats.org/officeDocument/2006/customXml" ds:itemID="{E35C8FFE-5946-45D2-8509-5F55C5B9ED1B}">
-  <ds:schemaRefs>
-    <ds:schemaRef ds:uri="http://schemas.microsoft.com/sharepoint/v3/contenttype/forms"/>
-  </ds:schemaRefs>
-</ds:datastoreItem>
-</file>
-
-<file path=customXml/itemProps4.xml><?xml version="1.0" encoding="utf-8"?>
-<ds:datastoreItem xmlns:ds="http://schemas.openxmlformats.org/officeDocument/2006/customXml" ds:itemID="{4715E428-4D5D-44BE-8CDF-D0767275E30E}">
-  <ds:schemaRefs>
-    <ds:schemaRef ds:uri="http://schemas.microsoft.com/sharepoint/events"/>
-  </ds:schemaRefs>
-</ds:datastoreItem>
 </file>